--- a/big-images/Presentation1.pptx
+++ b/big-images/Presentation1.pptx
@@ -104,6 +104,11 @@
       </a:defRPr>
     </a:lvl9pPr>
   </p:defaultTextStyle>
+  <p:extLst>
+    <p:ext uri="{EFAFB233-063F-42B5-8137-9DF3F51BA10A}">
+      <p15:sldGuideLst xmlns:p15="http://schemas.microsoft.com/office/powerpoint/2012/main"/>
+    </p:ext>
+  </p:extLst>
 </p:presentation>
 </file>
 
@@ -254,7 +259,7 @@
           <a:p>
             <a:fld id="{22FA6BFD-CBC7-B346-B941-77E8C6BD0EE8}" type="datetimeFigureOut">
               <a:rPr lang="en-US" smtClean="0"/>
-              <a:t>1/19/22</a:t>
+              <a:t>1/20/22</a:t>
             </a:fld>
             <a:endParaRPr lang="en-US"/>
           </a:p>
@@ -452,7 +457,7 @@
           <a:p>
             <a:fld id="{22FA6BFD-CBC7-B346-B941-77E8C6BD0EE8}" type="datetimeFigureOut">
               <a:rPr lang="en-US" smtClean="0"/>
-              <a:t>1/19/22</a:t>
+              <a:t>1/20/22</a:t>
             </a:fld>
             <a:endParaRPr lang="en-US"/>
           </a:p>
@@ -660,7 +665,7 @@
           <a:p>
             <a:fld id="{22FA6BFD-CBC7-B346-B941-77E8C6BD0EE8}" type="datetimeFigureOut">
               <a:rPr lang="en-US" smtClean="0"/>
-              <a:t>1/19/22</a:t>
+              <a:t>1/20/22</a:t>
             </a:fld>
             <a:endParaRPr lang="en-US"/>
           </a:p>
@@ -858,7 +863,7 @@
           <a:p>
             <a:fld id="{22FA6BFD-CBC7-B346-B941-77E8C6BD0EE8}" type="datetimeFigureOut">
               <a:rPr lang="en-US" smtClean="0"/>
-              <a:t>1/19/22</a:t>
+              <a:t>1/20/22</a:t>
             </a:fld>
             <a:endParaRPr lang="en-US"/>
           </a:p>
@@ -1133,7 +1138,7 @@
           <a:p>
             <a:fld id="{22FA6BFD-CBC7-B346-B941-77E8C6BD0EE8}" type="datetimeFigureOut">
               <a:rPr lang="en-US" smtClean="0"/>
-              <a:t>1/19/22</a:t>
+              <a:t>1/20/22</a:t>
             </a:fld>
             <a:endParaRPr lang="en-US"/>
           </a:p>
@@ -1398,7 +1403,7 @@
           <a:p>
             <a:fld id="{22FA6BFD-CBC7-B346-B941-77E8C6BD0EE8}" type="datetimeFigureOut">
               <a:rPr lang="en-US" smtClean="0"/>
-              <a:t>1/19/22</a:t>
+              <a:t>1/20/22</a:t>
             </a:fld>
             <a:endParaRPr lang="en-US"/>
           </a:p>
@@ -1810,7 +1815,7 @@
           <a:p>
             <a:fld id="{22FA6BFD-CBC7-B346-B941-77E8C6BD0EE8}" type="datetimeFigureOut">
               <a:rPr lang="en-US" smtClean="0"/>
-              <a:t>1/19/22</a:t>
+              <a:t>1/20/22</a:t>
             </a:fld>
             <a:endParaRPr lang="en-US"/>
           </a:p>
@@ -1951,7 +1956,7 @@
           <a:p>
             <a:fld id="{22FA6BFD-CBC7-B346-B941-77E8C6BD0EE8}" type="datetimeFigureOut">
               <a:rPr lang="en-US" smtClean="0"/>
-              <a:t>1/19/22</a:t>
+              <a:t>1/20/22</a:t>
             </a:fld>
             <a:endParaRPr lang="en-US"/>
           </a:p>
@@ -2064,7 +2069,7 @@
           <a:p>
             <a:fld id="{22FA6BFD-CBC7-B346-B941-77E8C6BD0EE8}" type="datetimeFigureOut">
               <a:rPr lang="en-US" smtClean="0"/>
-              <a:t>1/19/22</a:t>
+              <a:t>1/20/22</a:t>
             </a:fld>
             <a:endParaRPr lang="en-US"/>
           </a:p>
@@ -2375,7 +2380,7 @@
           <a:p>
             <a:fld id="{22FA6BFD-CBC7-B346-B941-77E8C6BD0EE8}" type="datetimeFigureOut">
               <a:rPr lang="en-US" smtClean="0"/>
-              <a:t>1/19/22</a:t>
+              <a:t>1/20/22</a:t>
             </a:fld>
             <a:endParaRPr lang="en-US"/>
           </a:p>
@@ -2663,7 +2668,7 @@
           <a:p>
             <a:fld id="{22FA6BFD-CBC7-B346-B941-77E8C6BD0EE8}" type="datetimeFigureOut">
               <a:rPr lang="en-US" smtClean="0"/>
-              <a:t>1/19/22</a:t>
+              <a:t>1/20/22</a:t>
             </a:fld>
             <a:endParaRPr lang="en-US"/>
           </a:p>
@@ -2904,7 +2909,7 @@
           <a:p>
             <a:fld id="{22FA6BFD-CBC7-B346-B941-77E8C6BD0EE8}" type="datetimeFigureOut">
               <a:rPr lang="en-US" smtClean="0"/>
-              <a:t>1/19/22</a:t>
+              <a:t>1/20/22</a:t>
             </a:fld>
             <a:endParaRPr lang="en-US"/>
           </a:p>
@@ -3336,7 +3341,7 @@
         <p:spPr>
           <a:xfrm>
             <a:off x="875763" y="794084"/>
-            <a:ext cx="3323346" cy="1015663"/>
+            <a:ext cx="3487173" cy="1015663"/>
           </a:xfrm>
           <a:prstGeom prst="rect">
             <a:avLst/>
@@ -3350,14 +3355,11 @@
           <a:lstStyle/>
           <a:p>
             <a:r>
-              <a:rPr lang="en-US" sz="6000" dirty="0" err="1">
-                <a:latin typeface="Bauhaus 93" pitchFamily="82" charset="77"/>
+              <a:rPr lang="en-US" sz="6000" dirty="0">
+                <a:latin typeface="Franklin Gothic Medium" panose="020B0603020102020204" pitchFamily="34" charset="0"/>
               </a:rPr>
-              <a:t>Quilcene</a:t>
-            </a:r>
-            <a:endParaRPr lang="en-US" sz="6000" dirty="0">
-              <a:latin typeface="Bauhaus 93" pitchFamily="82" charset="77"/>
-            </a:endParaRPr>
+              <a:t>QUILCENE</a:t>
+            </a:r>
           </a:p>
         </p:txBody>
       </p:sp>
@@ -3375,8 +3377,8 @@
         </p:nvSpPr>
         <p:spPr>
           <a:xfrm>
-            <a:off x="2338469" y="1691936"/>
-            <a:ext cx="1941557" cy="1015663"/>
+            <a:off x="2578479" y="1691936"/>
+            <a:ext cx="2122697" cy="1015663"/>
           </a:xfrm>
           <a:prstGeom prst="rect">
             <a:avLst/>
@@ -3391,9 +3393,9 @@
           <a:p>
             <a:r>
               <a:rPr lang="en-US" sz="6000" dirty="0">
-                <a:latin typeface="Bauhaus 93" pitchFamily="82" charset="77"/>
+                <a:latin typeface="Franklin Gothic Medium" panose="020B0603020102020204" pitchFamily="34" charset="0"/>
               </a:rPr>
-              <a:t>Bible</a:t>
+              <a:t>BIBLE</a:t>
             </a:r>
           </a:p>
         </p:txBody>
@@ -3412,8 +3414,8 @@
         </p:nvSpPr>
         <p:spPr>
           <a:xfrm>
-            <a:off x="3465098" y="2551058"/>
-            <a:ext cx="2680542" cy="1015663"/>
+            <a:off x="3315632" y="2551058"/>
+            <a:ext cx="3008709" cy="1015663"/>
           </a:xfrm>
           <a:prstGeom prst="rect">
             <a:avLst/>
@@ -3428,9 +3430,9 @@
           <a:p>
             <a:r>
               <a:rPr lang="en-US" sz="6000" dirty="0">
-                <a:latin typeface="Bauhaus 93" pitchFamily="82" charset="77"/>
+                <a:latin typeface="Franklin Gothic Medium" panose="020B0603020102020204" pitchFamily="34" charset="0"/>
               </a:rPr>
-              <a:t>Church</a:t>
+              <a:t>CHURCH</a:t>
             </a:r>
           </a:p>
         </p:txBody>
@@ -3449,7 +3451,7 @@
         </p:nvSpPr>
         <p:spPr>
           <a:xfrm>
-            <a:off x="4742455" y="1086900"/>
+            <a:off x="4973680" y="1086900"/>
             <a:ext cx="1050324" cy="1408671"/>
           </a:xfrm>
           <a:prstGeom prst="rect">
@@ -3495,7 +3497,7 @@
         </p:nvSpPr>
         <p:spPr>
           <a:xfrm>
-            <a:off x="5164868" y="1338491"/>
+            <a:off x="5396093" y="1338491"/>
             <a:ext cx="155275" cy="626853"/>
           </a:xfrm>
           <a:prstGeom prst="rect">
@@ -3547,7 +3549,7 @@
         </p:nvSpPr>
         <p:spPr>
           <a:xfrm>
-            <a:off x="5010743" y="1454804"/>
+            <a:off x="5241968" y="1454804"/>
             <a:ext cx="513747" cy="151779"/>
           </a:xfrm>
           <a:prstGeom prst="rect">
@@ -3748,8 +3750,8 @@
         </p:nvSpPr>
         <p:spPr>
           <a:xfrm>
-            <a:off x="466707" y="3248398"/>
-            <a:ext cx="2787896" cy="91178"/>
+            <a:off x="432769" y="3248398"/>
+            <a:ext cx="2822803" cy="91178"/>
           </a:xfrm>
           <a:prstGeom prst="rect">
             <a:avLst/>
@@ -3802,7 +3804,7 @@
         </p:nvSpPr>
         <p:spPr>
           <a:xfrm>
-            <a:off x="517525" y="3165140"/>
+            <a:off x="530107" y="3177722"/>
             <a:ext cx="2276476" cy="91178"/>
           </a:xfrm>
           <a:prstGeom prst="rect">
@@ -3856,8 +3858,8 @@
         </p:nvSpPr>
         <p:spPr>
           <a:xfrm>
-            <a:off x="466706" y="3209159"/>
-            <a:ext cx="591067" cy="91178"/>
+            <a:off x="466707" y="3209159"/>
+            <a:ext cx="591066" cy="91178"/>
           </a:xfrm>
           <a:prstGeom prst="rect">
             <a:avLst/>
@@ -3972,7 +3974,7 @@
         </p:blipFill>
         <p:spPr>
           <a:xfrm>
-            <a:off x="3859393" y="3339576"/>
+            <a:off x="3838372" y="3749480"/>
             <a:ext cx="6019800" cy="3365500"/>
           </a:xfrm>
           <a:prstGeom prst="rect">
@@ -3980,6 +3982,64 @@
           </a:prstGeom>
         </p:spPr>
       </p:pic>
+      <p:sp>
+        <p:nvSpPr>
+          <p:cNvPr id="2" name="Triangle 1">
+            <a:extLst>
+              <a:ext uri="{FF2B5EF4-FFF2-40B4-BE49-F238E27FC236}">
+                <a16:creationId xmlns:a16="http://schemas.microsoft.com/office/drawing/2014/main" id="{A7BD4672-D624-7740-8656-292ED2401A21}"/>
+              </a:ext>
+            </a:extLst>
+          </p:cNvPr>
+          <p:cNvSpPr/>
+          <p:nvPr/>
+        </p:nvSpPr>
+        <p:spPr>
+          <a:xfrm rot="250365">
+            <a:off x="454007" y="3112091"/>
+            <a:ext cx="157163" cy="139682"/>
+          </a:xfrm>
+          <a:prstGeom prst="triangle">
+            <a:avLst/>
+          </a:prstGeom>
+          <a:solidFill>
+            <a:schemeClr val="accent6">
+              <a:lumMod val="50000"/>
+            </a:schemeClr>
+          </a:solidFill>
+          <a:ln>
+            <a:solidFill>
+              <a:schemeClr val="accent6">
+                <a:lumMod val="50000"/>
+              </a:schemeClr>
+            </a:solidFill>
+          </a:ln>
+        </p:spPr>
+        <p:style>
+          <a:lnRef idx="2">
+            <a:schemeClr val="accent1">
+              <a:shade val="50000"/>
+            </a:schemeClr>
+          </a:lnRef>
+          <a:fillRef idx="1">
+            <a:schemeClr val="accent1"/>
+          </a:fillRef>
+          <a:effectRef idx="0">
+            <a:schemeClr val="accent1"/>
+          </a:effectRef>
+          <a:fontRef idx="minor">
+            <a:schemeClr val="lt1"/>
+          </a:fontRef>
+        </p:style>
+        <p:txBody>
+          <a:bodyPr rtlCol="0" anchor="ctr"/>
+          <a:lstStyle/>
+          <a:p>
+            <a:pPr algn="ctr"/>
+            <a:endParaRPr lang="en-US"/>
+          </a:p>
+        </p:txBody>
+      </p:sp>
     </p:spTree>
     <p:extLst>
       <p:ext uri="{BB962C8B-B14F-4D97-AF65-F5344CB8AC3E}">
